--- a/midterm_practice_formula.pptx
+++ b/midterm_practice_formula.pptx
@@ -244,7 +244,7 @@
           <a:p>
             <a:fld id="{9A1C6917-09CE-4BA3-A5AC-DC4D967CF07B}" type="datetimeFigureOut">
               <a:rPr lang="en-CA" smtClean="0"/>
-              <a:t>2019-10-03</a:t>
+              <a:t>2019-10-07</a:t>
             </a:fld>
             <a:endParaRPr lang="en-CA"/>
           </a:p>
@@ -414,7 +414,7 @@
           <a:p>
             <a:fld id="{9A1C6917-09CE-4BA3-A5AC-DC4D967CF07B}" type="datetimeFigureOut">
               <a:rPr lang="en-CA" smtClean="0"/>
-              <a:t>2019-10-03</a:t>
+              <a:t>2019-10-07</a:t>
             </a:fld>
             <a:endParaRPr lang="en-CA"/>
           </a:p>
@@ -594,7 +594,7 @@
           <a:p>
             <a:fld id="{9A1C6917-09CE-4BA3-A5AC-DC4D967CF07B}" type="datetimeFigureOut">
               <a:rPr lang="en-CA" smtClean="0"/>
-              <a:t>2019-10-03</a:t>
+              <a:t>2019-10-07</a:t>
             </a:fld>
             <a:endParaRPr lang="en-CA"/>
           </a:p>
@@ -764,7 +764,7 @@
           <a:p>
             <a:fld id="{9A1C6917-09CE-4BA3-A5AC-DC4D967CF07B}" type="datetimeFigureOut">
               <a:rPr lang="en-CA" smtClean="0"/>
-              <a:t>2019-10-03</a:t>
+              <a:t>2019-10-07</a:t>
             </a:fld>
             <a:endParaRPr lang="en-CA"/>
           </a:p>
@@ -1010,7 +1010,7 @@
           <a:p>
             <a:fld id="{9A1C6917-09CE-4BA3-A5AC-DC4D967CF07B}" type="datetimeFigureOut">
               <a:rPr lang="en-CA" smtClean="0"/>
-              <a:t>2019-10-03</a:t>
+              <a:t>2019-10-07</a:t>
             </a:fld>
             <a:endParaRPr lang="en-CA"/>
           </a:p>
@@ -1242,7 +1242,7 @@
           <a:p>
             <a:fld id="{9A1C6917-09CE-4BA3-A5AC-DC4D967CF07B}" type="datetimeFigureOut">
               <a:rPr lang="en-CA" smtClean="0"/>
-              <a:t>2019-10-03</a:t>
+              <a:t>2019-10-07</a:t>
             </a:fld>
             <a:endParaRPr lang="en-CA"/>
           </a:p>
@@ -1609,7 +1609,7 @@
           <a:p>
             <a:fld id="{9A1C6917-09CE-4BA3-A5AC-DC4D967CF07B}" type="datetimeFigureOut">
               <a:rPr lang="en-CA" smtClean="0"/>
-              <a:t>2019-10-03</a:t>
+              <a:t>2019-10-07</a:t>
             </a:fld>
             <a:endParaRPr lang="en-CA"/>
           </a:p>
@@ -1727,7 +1727,7 @@
           <a:p>
             <a:fld id="{9A1C6917-09CE-4BA3-A5AC-DC4D967CF07B}" type="datetimeFigureOut">
               <a:rPr lang="en-CA" smtClean="0"/>
-              <a:t>2019-10-03</a:t>
+              <a:t>2019-10-07</a:t>
             </a:fld>
             <a:endParaRPr lang="en-CA"/>
           </a:p>
@@ -1822,7 +1822,7 @@
           <a:p>
             <a:fld id="{9A1C6917-09CE-4BA3-A5AC-DC4D967CF07B}" type="datetimeFigureOut">
               <a:rPr lang="en-CA" smtClean="0"/>
-              <a:t>2019-10-03</a:t>
+              <a:t>2019-10-07</a:t>
             </a:fld>
             <a:endParaRPr lang="en-CA"/>
           </a:p>
@@ -2099,7 +2099,7 @@
           <a:p>
             <a:fld id="{9A1C6917-09CE-4BA3-A5AC-DC4D967CF07B}" type="datetimeFigureOut">
               <a:rPr lang="en-CA" smtClean="0"/>
-              <a:t>2019-10-03</a:t>
+              <a:t>2019-10-07</a:t>
             </a:fld>
             <a:endParaRPr lang="en-CA"/>
           </a:p>
@@ -2352,7 +2352,7 @@
           <a:p>
             <a:fld id="{9A1C6917-09CE-4BA3-A5AC-DC4D967CF07B}" type="datetimeFigureOut">
               <a:rPr lang="en-CA" smtClean="0"/>
-              <a:t>2019-10-03</a:t>
+              <a:t>2019-10-07</a:t>
             </a:fld>
             <a:endParaRPr lang="en-CA"/>
           </a:p>
@@ -2565,7 +2565,7 @@
           <a:p>
             <a:fld id="{9A1C6917-09CE-4BA3-A5AC-DC4D967CF07B}" type="datetimeFigureOut">
               <a:rPr lang="en-CA" smtClean="0"/>
-              <a:t>2019-10-03</a:t>
+              <a:t>2019-10-07</a:t>
             </a:fld>
             <a:endParaRPr lang="en-CA"/>
           </a:p>
@@ -3633,7 +3633,7 @@
                               <a:rPr lang="en-CA" sz="2000" b="0" i="1" dirty="0" smtClean="0">
                                 <a:latin typeface="Cambria Math" panose="02040503050406030204" pitchFamily="18" charset="0"/>
                               </a:rPr>
-                              <m:t>10</m:t>
+                              <m:t>9</m:t>
                             </m:r>
                           </m:den>
                         </m:f>
@@ -3742,7 +3742,7 @@
                                   <a:rPr lang="en-CA" sz="2000" b="0" i="1" dirty="0" smtClean="0">
                                     <a:latin typeface="Cambria Math" panose="02040503050406030204" pitchFamily="18" charset="0"/>
                                   </a:rPr>
-                                  <m:t>10</m:t>
+                                  <m:t>9</m:t>
                                 </m:r>
                               </m:den>
                             </m:f>
@@ -3811,7 +3811,7 @@
                               <a:rPr lang="en-CA" sz="2000" b="0" i="1" dirty="0" smtClean="0">
                                 <a:latin typeface="Cambria Math" panose="02040503050406030204" pitchFamily="18" charset="0"/>
                               </a:rPr>
-                              <m:t>9</m:t>
+                              <m:t>11</m:t>
                             </m:r>
                           </m:den>
                         </m:f>
@@ -3842,7 +3842,7 @@
                               <a:rPr lang="en-CA" sz="2000" b="0" i="1" dirty="0" smtClean="0">
                                 <a:latin typeface="Cambria Math" panose="02040503050406030204" pitchFamily="18" charset="0"/>
                               </a:rPr>
-                              <m:t>10</m:t>
+                              <m:t>11</m:t>
                             </m:r>
                           </m:den>
                         </m:f>
@@ -3889,10 +3889,14 @@
                       <a:rPr lang="en-CA" sz="2000" b="0" i="1" dirty="0" smtClean="0">
                         <a:latin typeface="Cambria Math" panose="02040503050406030204" pitchFamily="18" charset="0"/>
                       </a:rPr>
-                      <m:t>=0.29</m:t>
+                      <m:t>=0.</m:t>
                     </m:r>
                   </m:oMath>
                 </a14:m>
+                <a:r>
+                  <a:rPr lang="en-CA" sz="2000" dirty="0" smtClean="0"/>
+                  <a:t>379</a:t>
+                </a:r>
                 <a:endParaRPr lang="en-CA" sz="2000" dirty="0" smtClean="0"/>
               </a:p>
               <a:p>
@@ -4218,13 +4222,7 @@
                       <a:rPr lang="en-CA" sz="2000" b="0" i="1" smtClean="0">
                         <a:latin typeface="Cambria Math" panose="02040503050406030204" pitchFamily="18" charset="0"/>
                       </a:rPr>
-                      <m:t>=0.4</m:t>
-                    </m:r>
-                    <m:r>
-                      <a:rPr lang="en-CA" sz="2000" b="0" i="1" smtClean="0">
-                        <a:latin typeface="Cambria Math" panose="02040503050406030204" pitchFamily="18" charset="0"/>
-                      </a:rPr>
-                      <m:t>73</m:t>
+                      <m:t>=0.473</m:t>
                     </m:r>
                   </m:oMath>
                 </a14:m>

--- a/midterm_practice_formula.pptx
+++ b/midterm_practice_formula.pptx
@@ -7,6 +7,7 @@
   <p:sldIdLst>
     <p:sldId id="256" r:id="rId2"/>
     <p:sldId id="257" r:id="rId3"/>
+    <p:sldId id="258" r:id="rId4"/>
   </p:sldIdLst>
   <p:sldSz cx="12192000" cy="6858000"/>
   <p:notesSz cx="6858000" cy="9144000"/>
@@ -244,7 +245,7 @@
           <a:p>
             <a:fld id="{9A1C6917-09CE-4BA3-A5AC-DC4D967CF07B}" type="datetimeFigureOut">
               <a:rPr lang="en-CA" smtClean="0"/>
-              <a:t>2019-10-07</a:t>
+              <a:t>2019-10-08</a:t>
             </a:fld>
             <a:endParaRPr lang="en-CA"/>
           </a:p>
@@ -414,7 +415,7 @@
           <a:p>
             <a:fld id="{9A1C6917-09CE-4BA3-A5AC-DC4D967CF07B}" type="datetimeFigureOut">
               <a:rPr lang="en-CA" smtClean="0"/>
-              <a:t>2019-10-07</a:t>
+              <a:t>2019-10-08</a:t>
             </a:fld>
             <a:endParaRPr lang="en-CA"/>
           </a:p>
@@ -594,7 +595,7 @@
           <a:p>
             <a:fld id="{9A1C6917-09CE-4BA3-A5AC-DC4D967CF07B}" type="datetimeFigureOut">
               <a:rPr lang="en-CA" smtClean="0"/>
-              <a:t>2019-10-07</a:t>
+              <a:t>2019-10-08</a:t>
             </a:fld>
             <a:endParaRPr lang="en-CA"/>
           </a:p>
@@ -764,7 +765,7 @@
           <a:p>
             <a:fld id="{9A1C6917-09CE-4BA3-A5AC-DC4D967CF07B}" type="datetimeFigureOut">
               <a:rPr lang="en-CA" smtClean="0"/>
-              <a:t>2019-10-07</a:t>
+              <a:t>2019-10-08</a:t>
             </a:fld>
             <a:endParaRPr lang="en-CA"/>
           </a:p>
@@ -1010,7 +1011,7 @@
           <a:p>
             <a:fld id="{9A1C6917-09CE-4BA3-A5AC-DC4D967CF07B}" type="datetimeFigureOut">
               <a:rPr lang="en-CA" smtClean="0"/>
-              <a:t>2019-10-07</a:t>
+              <a:t>2019-10-08</a:t>
             </a:fld>
             <a:endParaRPr lang="en-CA"/>
           </a:p>
@@ -1242,7 +1243,7 @@
           <a:p>
             <a:fld id="{9A1C6917-09CE-4BA3-A5AC-DC4D967CF07B}" type="datetimeFigureOut">
               <a:rPr lang="en-CA" smtClean="0"/>
-              <a:t>2019-10-07</a:t>
+              <a:t>2019-10-08</a:t>
             </a:fld>
             <a:endParaRPr lang="en-CA"/>
           </a:p>
@@ -1609,7 +1610,7 @@
           <a:p>
             <a:fld id="{9A1C6917-09CE-4BA3-A5AC-DC4D967CF07B}" type="datetimeFigureOut">
               <a:rPr lang="en-CA" smtClean="0"/>
-              <a:t>2019-10-07</a:t>
+              <a:t>2019-10-08</a:t>
             </a:fld>
             <a:endParaRPr lang="en-CA"/>
           </a:p>
@@ -1727,7 +1728,7 @@
           <a:p>
             <a:fld id="{9A1C6917-09CE-4BA3-A5AC-DC4D967CF07B}" type="datetimeFigureOut">
               <a:rPr lang="en-CA" smtClean="0"/>
-              <a:t>2019-10-07</a:t>
+              <a:t>2019-10-08</a:t>
             </a:fld>
             <a:endParaRPr lang="en-CA"/>
           </a:p>
@@ -1822,7 +1823,7 @@
           <a:p>
             <a:fld id="{9A1C6917-09CE-4BA3-A5AC-DC4D967CF07B}" type="datetimeFigureOut">
               <a:rPr lang="en-CA" smtClean="0"/>
-              <a:t>2019-10-07</a:t>
+              <a:t>2019-10-08</a:t>
             </a:fld>
             <a:endParaRPr lang="en-CA"/>
           </a:p>
@@ -2099,7 +2100,7 @@
           <a:p>
             <a:fld id="{9A1C6917-09CE-4BA3-A5AC-DC4D967CF07B}" type="datetimeFigureOut">
               <a:rPr lang="en-CA" smtClean="0"/>
-              <a:t>2019-10-07</a:t>
+              <a:t>2019-10-08</a:t>
             </a:fld>
             <a:endParaRPr lang="en-CA"/>
           </a:p>
@@ -2352,7 +2353,7 @@
           <a:p>
             <a:fld id="{9A1C6917-09CE-4BA3-A5AC-DC4D967CF07B}" type="datetimeFigureOut">
               <a:rPr lang="en-CA" smtClean="0"/>
-              <a:t>2019-10-07</a:t>
+              <a:t>2019-10-08</a:t>
             </a:fld>
             <a:endParaRPr lang="en-CA"/>
           </a:p>
@@ -2565,7 +2566,7 @@
           <a:p>
             <a:fld id="{9A1C6917-09CE-4BA3-A5AC-DC4D967CF07B}" type="datetimeFigureOut">
               <a:rPr lang="en-CA" smtClean="0"/>
-              <a:t>2019-10-07</a:t>
+              <a:t>2019-10-08</a:t>
             </a:fld>
             <a:endParaRPr lang="en-CA"/>
           </a:p>
@@ -3045,8 +3046,8 @@
           <a:chExt cx="0" cy="0"/>
         </a:xfrm>
       </p:grpSpPr>
-      <mc:AlternateContent xmlns:mc="http://schemas.openxmlformats.org/markup-compatibility/2006">
-        <mc:Choice xmlns:a14="http://schemas.microsoft.com/office/drawing/2010/main" Requires="a14">
+      <mc:AlternateContent xmlns:mc="http://schemas.openxmlformats.org/markup-compatibility/2006" xmlns:a14="http://schemas.microsoft.com/office/drawing/2010/main">
+        <mc:Choice Requires="a14">
           <p:sp>
             <p:nvSpPr>
               <p:cNvPr id="3" name="Content Placeholder 2"/>
@@ -3897,7 +3898,6 @@
                   <a:rPr lang="en-CA" sz="2000" dirty="0" smtClean="0"/>
                   <a:t>379</a:t>
                 </a:r>
-                <a:endParaRPr lang="en-CA" sz="2000" dirty="0" smtClean="0"/>
               </a:p>
               <a:p>
                 <a14:m>
@@ -4566,7 +4566,7 @@
             </p:txBody>
           </p:sp>
         </mc:Choice>
-        <mc:Fallback>
+        <mc:Fallback xmlns="">
           <p:sp>
             <p:nvSpPr>
               <p:cNvPr id="3" name="Content Placeholder 2"/>
@@ -4608,6 +4608,535 @@
     <p:extLst>
       <p:ext uri="{BB962C8B-B14F-4D97-AF65-F5344CB8AC3E}">
         <p14:creationId xmlns:p14="http://schemas.microsoft.com/office/powerpoint/2010/main" val="2266063587"/>
+      </p:ext>
+    </p:extLst>
+  </p:cSld>
+  <p:clrMapOvr>
+    <a:masterClrMapping/>
+  </p:clrMapOvr>
+  <p:timing>
+    <p:tnLst>
+      <p:par>
+        <p:cTn id="1" dur="indefinite" restart="never" nodeType="tmRoot"/>
+      </p:par>
+    </p:tnLst>
+  </p:timing>
+</p:sld>
+</file>
+
+<file path=ppt/slides/slide3.xml><?xml version="1.0" encoding="utf-8"?>
+<p:sld xmlns:a="http://schemas.openxmlformats.org/drawingml/2006/main" xmlns:r="http://schemas.openxmlformats.org/officeDocument/2006/relationships" xmlns:p="http://schemas.openxmlformats.org/presentationml/2006/main">
+  <p:cSld>
+    <p:spTree>
+      <p:nvGrpSpPr>
+        <p:cNvPr id="1" name=""/>
+        <p:cNvGrpSpPr/>
+        <p:nvPr/>
+      </p:nvGrpSpPr>
+      <p:grpSpPr>
+        <a:xfrm>
+          <a:off x="0" y="0"/>
+          <a:ext cx="0" cy="0"/>
+          <a:chOff x="0" y="0"/>
+          <a:chExt cx="0" cy="0"/>
+        </a:xfrm>
+      </p:grpSpPr>
+      <p:sp>
+        <p:nvSpPr>
+          <p:cNvPr id="2" name="Title 1"/>
+          <p:cNvSpPr>
+            <a:spLocks noGrp="1"/>
+          </p:cNvSpPr>
+          <p:nvPr>
+            <p:ph type="title"/>
+          </p:nvPr>
+        </p:nvSpPr>
+        <p:spPr/>
+        <p:txBody>
+          <a:bodyPr/>
+          <a:lstStyle/>
+          <a:p>
+            <a:endParaRPr lang="en-CA"/>
+          </a:p>
+        </p:txBody>
+      </p:sp>
+      <mc:AlternateContent xmlns:mc="http://schemas.openxmlformats.org/markup-compatibility/2006">
+        <mc:Choice xmlns:a14="http://schemas.microsoft.com/office/drawing/2010/main" Requires="a14">
+          <p:sp>
+            <p:nvSpPr>
+              <p:cNvPr id="3" name="Content Placeholder 2"/>
+              <p:cNvSpPr>
+                <a:spLocks noGrp="1"/>
+              </p:cNvSpPr>
+              <p:nvPr>
+                <p:ph idx="1"/>
+              </p:nvPr>
+            </p:nvSpPr>
+            <p:spPr>
+              <a:xfrm>
+                <a:off x="838200" y="1825625"/>
+                <a:ext cx="11353800" cy="4351338"/>
+              </a:xfrm>
+            </p:spPr>
+            <p:txBody>
+              <a:bodyPr/>
+              <a:lstStyle/>
+              <a:p>
+                <a14:m>
+                  <m:oMath xmlns:m="http://schemas.openxmlformats.org/officeDocument/2006/math">
+                    <m:r>
+                      <a:rPr lang="en-CA" b="0" i="1" smtClean="0">
+                        <a:latin typeface="Cambria Math" panose="02040503050406030204" pitchFamily="18" charset="0"/>
+                      </a:rPr>
+                      <m:t>𝑃</m:t>
+                    </m:r>
+                    <m:d>
+                      <m:dPr>
+                        <m:ctrlPr>
+                          <a:rPr lang="en-CA" b="0" i="1" smtClean="0">
+                            <a:latin typeface="Cambria Math" panose="02040503050406030204" pitchFamily="18" charset="0"/>
+                          </a:rPr>
+                        </m:ctrlPr>
+                      </m:dPr>
+                      <m:e>
+                        <m:r>
+                          <a:rPr lang="en-CA" b="0" i="1" smtClean="0">
+                            <a:latin typeface="Cambria Math" panose="02040503050406030204" pitchFamily="18" charset="0"/>
+                          </a:rPr>
+                          <m:t>𝑦𝑒𝑠</m:t>
+                        </m:r>
+                      </m:e>
+                      <m:e>
+                        <m:r>
+                          <a:rPr lang="en-CA" b="0" i="1" smtClean="0">
+                            <a:latin typeface="Cambria Math" panose="02040503050406030204" pitchFamily="18" charset="0"/>
+                          </a:rPr>
+                          <m:t>𝐸𝑣𝑖𝑑𝑒𝑛𝑐𝑒</m:t>
+                        </m:r>
+                      </m:e>
+                    </m:d>
+                    <m:r>
+                      <a:rPr lang="en-CA" b="0" i="1" smtClean="0">
+                        <a:latin typeface="Cambria Math" panose="02040503050406030204" pitchFamily="18" charset="0"/>
+                      </a:rPr>
+                      <m:t>=</m:t>
+                    </m:r>
+                    <m:f>
+                      <m:fPr>
+                        <m:ctrlPr>
+                          <a:rPr lang="en-CA" b="0" i="1" smtClean="0">
+                            <a:latin typeface="Cambria Math" panose="02040503050406030204" pitchFamily="18" charset="0"/>
+                          </a:rPr>
+                        </m:ctrlPr>
+                      </m:fPr>
+                      <m:num>
+                        <m:r>
+                          <a:rPr lang="en-CA" b="0" i="1" smtClean="0">
+                            <a:latin typeface="Cambria Math" panose="02040503050406030204" pitchFamily="18" charset="0"/>
+                          </a:rPr>
+                          <m:t>𝑃</m:t>
+                        </m:r>
+                        <m:d>
+                          <m:dPr>
+                            <m:ctrlPr>
+                              <a:rPr lang="en-CA" b="0" i="1" smtClean="0">
+                                <a:latin typeface="Cambria Math" panose="02040503050406030204" pitchFamily="18" charset="0"/>
+                              </a:rPr>
+                            </m:ctrlPr>
+                          </m:dPr>
+                          <m:e>
+                            <m:r>
+                              <a:rPr lang="en-CA" b="0" i="1" smtClean="0">
+                                <a:latin typeface="Cambria Math" panose="02040503050406030204" pitchFamily="18" charset="0"/>
+                              </a:rPr>
+                              <m:t>𝐸𝑣𝑖𝑑𝑒𝑛𝑐𝑒</m:t>
+                            </m:r>
+                          </m:e>
+                          <m:e>
+                            <m:r>
+                              <a:rPr lang="en-CA" b="0" i="1" smtClean="0">
+                                <a:latin typeface="Cambria Math" panose="02040503050406030204" pitchFamily="18" charset="0"/>
+                              </a:rPr>
+                              <m:t>𝑦𝑒𝑠</m:t>
+                            </m:r>
+                          </m:e>
+                        </m:d>
+                        <m:r>
+                          <a:rPr lang="en-CA" b="0" i="1" smtClean="0">
+                            <a:latin typeface="Cambria Math" panose="02040503050406030204" pitchFamily="18" charset="0"/>
+                          </a:rPr>
+                          <m:t>𝑃</m:t>
+                        </m:r>
+                        <m:r>
+                          <a:rPr lang="en-CA" b="0" i="1" smtClean="0">
+                            <a:latin typeface="Cambria Math" panose="02040503050406030204" pitchFamily="18" charset="0"/>
+                          </a:rPr>
+                          <m:t>(</m:t>
+                        </m:r>
+                        <m:r>
+                          <a:rPr lang="en-CA" b="0" i="1" smtClean="0">
+                            <a:latin typeface="Cambria Math" panose="02040503050406030204" pitchFamily="18" charset="0"/>
+                          </a:rPr>
+                          <m:t>𝑦𝑒𝑠</m:t>
+                        </m:r>
+                        <m:r>
+                          <a:rPr lang="en-CA" b="0" i="1" smtClean="0">
+                            <a:latin typeface="Cambria Math" panose="02040503050406030204" pitchFamily="18" charset="0"/>
+                          </a:rPr>
+                          <m:t>)</m:t>
+                        </m:r>
+                      </m:num>
+                      <m:den>
+                        <m:r>
+                          <a:rPr lang="en-CA" b="0" i="1" smtClean="0">
+                            <a:latin typeface="Cambria Math" panose="02040503050406030204" pitchFamily="18" charset="0"/>
+                          </a:rPr>
+                          <m:t>𝑃</m:t>
+                        </m:r>
+                        <m:r>
+                          <a:rPr lang="en-CA" b="0" i="1" smtClean="0">
+                            <a:latin typeface="Cambria Math" panose="02040503050406030204" pitchFamily="18" charset="0"/>
+                          </a:rPr>
+                          <m:t>(</m:t>
+                        </m:r>
+                        <m:r>
+                          <a:rPr lang="en-CA" b="0" i="1" smtClean="0">
+                            <a:latin typeface="Cambria Math" panose="02040503050406030204" pitchFamily="18" charset="0"/>
+                          </a:rPr>
+                          <m:t>𝐸𝑣𝑖𝑑𝑒𝑛𝑐𝑒</m:t>
+                        </m:r>
+                        <m:r>
+                          <a:rPr lang="en-CA" b="0" i="1" smtClean="0">
+                            <a:latin typeface="Cambria Math" panose="02040503050406030204" pitchFamily="18" charset="0"/>
+                          </a:rPr>
+                          <m:t>)</m:t>
+                        </m:r>
+                      </m:den>
+                    </m:f>
+                  </m:oMath>
+                </a14:m>
+                <a:endParaRPr lang="en-CA" dirty="0" smtClean="0"/>
+              </a:p>
+              <a:p>
+                <a:r>
+                  <a:rPr lang="en-CA" dirty="0" smtClean="0"/>
+                  <a:t>show </a:t>
+                </a:r>
+                <a14:m>
+                  <m:oMath xmlns:m="http://schemas.openxmlformats.org/officeDocument/2006/math">
+                    <m:r>
+                      <a:rPr lang="en-CA" b="0" i="1" smtClean="0">
+                        <a:latin typeface="Cambria Math" panose="02040503050406030204" pitchFamily="18" charset="0"/>
+                      </a:rPr>
+                      <m:t>𝑃</m:t>
+                    </m:r>
+                    <m:d>
+                      <m:dPr>
+                        <m:ctrlPr>
+                          <a:rPr lang="en-CA" b="0" i="1" smtClean="0">
+                            <a:latin typeface="Cambria Math" panose="02040503050406030204" pitchFamily="18" charset="0"/>
+                          </a:rPr>
+                        </m:ctrlPr>
+                      </m:dPr>
+                      <m:e>
+                        <m:r>
+                          <a:rPr lang="en-CA" b="0" i="1" smtClean="0">
+                            <a:latin typeface="Cambria Math" panose="02040503050406030204" pitchFamily="18" charset="0"/>
+                          </a:rPr>
+                          <m:t>𝐸𝑣𝑖𝑑𝑒𝑛𝑐𝑒</m:t>
+                        </m:r>
+                      </m:e>
+                    </m:d>
+                    <m:r>
+                      <a:rPr lang="en-CA" b="0" i="1" smtClean="0">
+                        <a:latin typeface="Cambria Math" panose="02040503050406030204" pitchFamily="18" charset="0"/>
+                      </a:rPr>
+                      <m:t>=</m:t>
+                    </m:r>
+                    <m:r>
+                      <a:rPr lang="en-CA" b="0" i="1" smtClean="0">
+                        <a:latin typeface="Cambria Math" panose="02040503050406030204" pitchFamily="18" charset="0"/>
+                      </a:rPr>
+                      <m:t>𝑃</m:t>
+                    </m:r>
+                    <m:d>
+                      <m:dPr>
+                        <m:ctrlPr>
+                          <a:rPr lang="en-CA" b="0" i="1" smtClean="0">
+                            <a:latin typeface="Cambria Math" panose="02040503050406030204" pitchFamily="18" charset="0"/>
+                          </a:rPr>
+                        </m:ctrlPr>
+                      </m:dPr>
+                      <m:e>
+                        <m:r>
+                          <a:rPr lang="en-CA" b="0" i="1" smtClean="0">
+                            <a:latin typeface="Cambria Math" panose="02040503050406030204" pitchFamily="18" charset="0"/>
+                          </a:rPr>
+                          <m:t>𝐸𝑣𝑖𝑑𝑒𝑛𝑐𝑒</m:t>
+                        </m:r>
+                      </m:e>
+                      <m:e>
+                        <m:r>
+                          <a:rPr lang="en-CA" b="0" i="1" smtClean="0">
+                            <a:latin typeface="Cambria Math" panose="02040503050406030204" pitchFamily="18" charset="0"/>
+                          </a:rPr>
+                          <m:t>𝑦𝑒𝑠</m:t>
+                        </m:r>
+                      </m:e>
+                    </m:d>
+                    <m:r>
+                      <a:rPr lang="en-CA" b="0" i="1" smtClean="0">
+                        <a:latin typeface="Cambria Math" panose="02040503050406030204" pitchFamily="18" charset="0"/>
+                      </a:rPr>
+                      <m:t>𝑃</m:t>
+                    </m:r>
+                    <m:d>
+                      <m:dPr>
+                        <m:ctrlPr>
+                          <a:rPr lang="en-CA" b="0" i="1" smtClean="0">
+                            <a:latin typeface="Cambria Math" panose="02040503050406030204" pitchFamily="18" charset="0"/>
+                          </a:rPr>
+                        </m:ctrlPr>
+                      </m:dPr>
+                      <m:e>
+                        <m:r>
+                          <a:rPr lang="en-CA" b="0" i="1" smtClean="0">
+                            <a:latin typeface="Cambria Math" panose="02040503050406030204" pitchFamily="18" charset="0"/>
+                          </a:rPr>
+                          <m:t>𝑦𝑒𝑠</m:t>
+                        </m:r>
+                      </m:e>
+                    </m:d>
+                    <m:r>
+                      <a:rPr lang="en-CA" b="0" i="1" smtClean="0">
+                        <a:latin typeface="Cambria Math" panose="02040503050406030204" pitchFamily="18" charset="0"/>
+                      </a:rPr>
+                      <m:t>+</m:t>
+                    </m:r>
+                    <m:r>
+                      <a:rPr lang="en-CA" b="0" i="1" smtClean="0">
+                        <a:latin typeface="Cambria Math" panose="02040503050406030204" pitchFamily="18" charset="0"/>
+                      </a:rPr>
+                      <m:t>𝑃</m:t>
+                    </m:r>
+                    <m:d>
+                      <m:dPr>
+                        <m:ctrlPr>
+                          <a:rPr lang="en-CA" b="0" i="1" smtClean="0">
+                            <a:latin typeface="Cambria Math" panose="02040503050406030204" pitchFamily="18" charset="0"/>
+                          </a:rPr>
+                        </m:ctrlPr>
+                      </m:dPr>
+                      <m:e>
+                        <m:r>
+                          <a:rPr lang="en-CA" b="0" i="1" smtClean="0">
+                            <a:latin typeface="Cambria Math" panose="02040503050406030204" pitchFamily="18" charset="0"/>
+                          </a:rPr>
+                          <m:t>𝐸𝑣𝑖𝑑𝑒𝑛𝑐𝑒</m:t>
+                        </m:r>
+                      </m:e>
+                      <m:e>
+                        <m:r>
+                          <a:rPr lang="en-CA" b="0" i="1" smtClean="0">
+                            <a:latin typeface="Cambria Math" panose="02040503050406030204" pitchFamily="18" charset="0"/>
+                          </a:rPr>
+                          <m:t>𝑛𝑜</m:t>
+                        </m:r>
+                      </m:e>
+                    </m:d>
+                    <m:r>
+                      <a:rPr lang="en-CA" b="0" i="1" smtClean="0">
+                        <a:latin typeface="Cambria Math" panose="02040503050406030204" pitchFamily="18" charset="0"/>
+                      </a:rPr>
+                      <m:t>𝑃</m:t>
+                    </m:r>
+                    <m:d>
+                      <m:dPr>
+                        <m:ctrlPr>
+                          <a:rPr lang="en-CA" b="0" i="1" smtClean="0">
+                            <a:latin typeface="Cambria Math" panose="02040503050406030204" pitchFamily="18" charset="0"/>
+                          </a:rPr>
+                        </m:ctrlPr>
+                      </m:dPr>
+                      <m:e>
+                        <m:r>
+                          <a:rPr lang="en-CA" b="0" i="1" smtClean="0">
+                            <a:latin typeface="Cambria Math" panose="02040503050406030204" pitchFamily="18" charset="0"/>
+                          </a:rPr>
+                          <m:t>𝑛𝑜</m:t>
+                        </m:r>
+                      </m:e>
+                    </m:d>
+                  </m:oMath>
+                </a14:m>
+                <a:endParaRPr lang="en-CA" b="0" dirty="0" smtClean="0"/>
+              </a:p>
+              <a:p>
+                <a:endParaRPr lang="en-CA" dirty="0" smtClean="0"/>
+              </a:p>
+              <a:p>
+                <a14:m>
+                  <m:oMath xmlns:m="http://schemas.openxmlformats.org/officeDocument/2006/math">
+                    <m:r>
+                      <a:rPr lang="en-CA" b="0" i="1" smtClean="0">
+                        <a:latin typeface="Cambria Math" panose="02040503050406030204" pitchFamily="18" charset="0"/>
+                      </a:rPr>
+                      <m:t>𝐺𝑖𝑛𝑖</m:t>
+                    </m:r>
+                    <m:r>
+                      <a:rPr lang="en-CA" b="0" i="1" smtClean="0">
+                        <a:latin typeface="Cambria Math" panose="02040503050406030204" pitchFamily="18" charset="0"/>
+                      </a:rPr>
+                      <m:t>=1−</m:t>
+                    </m:r>
+                    <m:nary>
+                      <m:naryPr>
+                        <m:chr m:val="∑"/>
+                        <m:supHide m:val="on"/>
+                        <m:ctrlPr>
+                          <a:rPr lang="en-CA" b="0" i="1" smtClean="0">
+                            <a:latin typeface="Cambria Math" panose="02040503050406030204" pitchFamily="18" charset="0"/>
+                          </a:rPr>
+                        </m:ctrlPr>
+                      </m:naryPr>
+                      <m:sub>
+                        <m:r>
+                          <m:rPr>
+                            <m:brk m:alnAt="7"/>
+                          </m:rPr>
+                          <a:rPr lang="en-CA" b="0" i="1" smtClean="0">
+                            <a:latin typeface="Cambria Math" panose="02040503050406030204" pitchFamily="18" charset="0"/>
+                          </a:rPr>
+                          <m:t>𝑖</m:t>
+                        </m:r>
+                      </m:sub>
+                      <m:sup/>
+                      <m:e>
+                        <m:sSubSup>
+                          <m:sSubSupPr>
+                            <m:ctrlPr>
+                              <a:rPr lang="en-CA" b="0" i="1" smtClean="0">
+                                <a:latin typeface="Cambria Math" panose="02040503050406030204" pitchFamily="18" charset="0"/>
+                              </a:rPr>
+                            </m:ctrlPr>
+                          </m:sSubSupPr>
+                          <m:e>
+                            <m:r>
+                              <a:rPr lang="en-CA" b="0" i="1" smtClean="0">
+                                <a:latin typeface="Cambria Math" panose="02040503050406030204" pitchFamily="18" charset="0"/>
+                              </a:rPr>
+                              <m:t>𝑃</m:t>
+                            </m:r>
+                          </m:e>
+                          <m:sub>
+                            <m:r>
+                              <a:rPr lang="en-CA" b="0" i="1" smtClean="0">
+                                <a:latin typeface="Cambria Math" panose="02040503050406030204" pitchFamily="18" charset="0"/>
+                              </a:rPr>
+                              <m:t>𝑖</m:t>
+                            </m:r>
+                          </m:sub>
+                          <m:sup>
+                            <m:r>
+                              <a:rPr lang="en-CA" b="0" i="1" smtClean="0">
+                                <a:latin typeface="Cambria Math" panose="02040503050406030204" pitchFamily="18" charset="0"/>
+                              </a:rPr>
+                              <m:t>2</m:t>
+                            </m:r>
+                          </m:sup>
+                        </m:sSubSup>
+                      </m:e>
+                    </m:nary>
+                  </m:oMath>
+                </a14:m>
+                <a:endParaRPr lang="en-CA" dirty="0"/>
+              </a:p>
+            </p:txBody>
+          </p:sp>
+        </mc:Choice>
+        <mc:Fallback>
+          <p:sp>
+            <p:nvSpPr>
+              <p:cNvPr id="3" name="Content Placeholder 2"/>
+              <p:cNvSpPr>
+                <a:spLocks noGrp="1" noRot="1" noChangeAspect="1" noMove="1" noResize="1" noEditPoints="1" noAdjustHandles="1" noChangeArrowheads="1" noChangeShapeType="1" noTextEdit="1"/>
+              </p:cNvSpPr>
+              <p:nvPr>
+                <p:ph idx="1"/>
+              </p:nvPr>
+            </p:nvSpPr>
+            <p:spPr>
+              <a:xfrm>
+                <a:off x="838200" y="1825625"/>
+                <a:ext cx="11353800" cy="4351338"/>
+              </a:xfrm>
+              <a:blipFill>
+                <a:blip r:embed="rId2"/>
+                <a:stretch>
+                  <a:fillRect l="-967"/>
+                </a:stretch>
+              </a:blipFill>
+            </p:spPr>
+            <p:txBody>
+              <a:bodyPr/>
+              <a:lstStyle/>
+              <a:p>
+                <a:r>
+                  <a:rPr lang="en-CA">
+                    <a:noFill/>
+                  </a:rPr>
+                  <a:t> </a:t>
+                </a:r>
+              </a:p>
+            </p:txBody>
+          </p:sp>
+        </mc:Fallback>
+      </mc:AlternateContent>
+      <p:sp>
+        <p:nvSpPr>
+          <p:cNvPr id="4" name="Rectangle 3"/>
+          <p:cNvSpPr/>
+          <p:nvPr/>
+        </p:nvSpPr>
+        <p:spPr>
+          <a:xfrm>
+            <a:off x="5303520" y="3618411"/>
+            <a:ext cx="4885509" cy="1528355"/>
+          </a:xfrm>
+          <a:prstGeom prst="rect">
+            <a:avLst/>
+          </a:prstGeom>
+          <a:noFill/>
+        </p:spPr>
+        <p:style>
+          <a:lnRef idx="2">
+            <a:schemeClr val="accent1">
+              <a:shade val="50000"/>
+            </a:schemeClr>
+          </a:lnRef>
+          <a:fillRef idx="1">
+            <a:schemeClr val="accent1"/>
+          </a:fillRef>
+          <a:effectRef idx="0">
+            <a:schemeClr val="accent1"/>
+          </a:effectRef>
+          <a:fontRef idx="minor">
+            <a:schemeClr val="lt1"/>
+          </a:fontRef>
+        </p:style>
+        <p:txBody>
+          <a:bodyPr rtlCol="0" anchor="ctr"/>
+          <a:lstStyle/>
+          <a:p>
+            <a:pPr algn="ctr"/>
+            <a:endParaRPr lang="en-CA"/>
+          </a:p>
+        </p:txBody>
+      </p:sp>
+    </p:spTree>
+    <p:extLst>
+      <p:ext uri="{BB962C8B-B14F-4D97-AF65-F5344CB8AC3E}">
+        <p14:creationId xmlns:p14="http://schemas.microsoft.com/office/powerpoint/2010/main" val="1465293816"/>
       </p:ext>
     </p:extLst>
   </p:cSld>
